--- a/Slides/FedAMP.pptx
+++ b/Slides/FedAMP.pptx
@@ -5,7 +5,7 @@
     <p:sldMasterId id="2147483725" r:id="rId1"/>
   </p:sldMasterIdLst>
   <p:notesMasterIdLst>
-    <p:notesMasterId r:id="rId19"/>
+    <p:notesMasterId r:id="rId18"/>
   </p:notesMasterIdLst>
   <p:sldIdLst>
     <p:sldId id="256" r:id="rId2"/>
@@ -24,7 +24,6 @@
     <p:sldId id="271" r:id="rId15"/>
     <p:sldId id="270" r:id="rId16"/>
     <p:sldId id="272" r:id="rId17"/>
-    <p:sldId id="269" r:id="rId18"/>
   </p:sldIdLst>
   <p:sldSz cx="12192000" cy="6858000"/>
   <p:notesSz cx="6858000" cy="9144000"/>
@@ -147,9 +146,7 @@
           </p14:sldIdLst>
         </p14:section>
         <p14:section name="Backup" id="{72C8D483-145A-6B4F-87F6-582870366B07}">
-          <p14:sldIdLst>
-            <p14:sldId id="269"/>
-          </p14:sldIdLst>
+          <p14:sldIdLst/>
         </p14:section>
       </p14:sectionLst>
     </p:ext>
@@ -18387,834 +18384,6 @@
 </p:sld>
 </file>
 
-<file path=ppt/slides/slide17.xml><?xml version="1.0" encoding="utf-8"?>
-<p:sld xmlns:a="http://schemas.openxmlformats.org/drawingml/2006/main" xmlns:r="http://schemas.openxmlformats.org/officeDocument/2006/relationships" xmlns:p="http://schemas.openxmlformats.org/presentationml/2006/main">
-  <p:cSld>
-    <p:spTree>
-      <p:nvGrpSpPr>
-        <p:cNvPr id="1" name=""/>
-        <p:cNvGrpSpPr/>
-        <p:nvPr/>
-      </p:nvGrpSpPr>
-      <p:grpSpPr>
-        <a:xfrm>
-          <a:off x="0" y="0"/>
-          <a:ext cx="0" cy="0"/>
-          <a:chOff x="0" y="0"/>
-          <a:chExt cx="0" cy="0"/>
-        </a:xfrm>
-      </p:grpSpPr>
-      <p:sp>
-        <p:nvSpPr>
-          <p:cNvPr id="2" name="Title 1">
-            <a:extLst>
-              <a:ext uri="{FF2B5EF4-FFF2-40B4-BE49-F238E27FC236}">
-                <a16:creationId xmlns:a16="http://schemas.microsoft.com/office/drawing/2014/main" id="{3FD7F145-C0F8-7F41-B5BE-498747F5C3F7}"/>
-              </a:ext>
-            </a:extLst>
-          </p:cNvPr>
-          <p:cNvSpPr>
-            <a:spLocks noGrp="1"/>
-          </p:cNvSpPr>
-          <p:nvPr>
-            <p:ph type="title"/>
-          </p:nvPr>
-        </p:nvSpPr>
-        <p:spPr/>
-        <p:txBody>
-          <a:bodyPr>
-            <a:normAutofit/>
-          </a:bodyPr>
-          <a:lstStyle/>
-          <a:p>
-            <a:r>
-              <a:rPr lang="en-US" dirty="0"/>
-              <a:t>Personalized Federated Learning</a:t>
-            </a:r>
-          </a:p>
-        </p:txBody>
-      </p:sp>
-      <p:sp>
-        <p:nvSpPr>
-          <p:cNvPr id="3" name="Content Placeholder 2">
-            <a:extLst>
-              <a:ext uri="{FF2B5EF4-FFF2-40B4-BE49-F238E27FC236}">
-                <a16:creationId xmlns:a16="http://schemas.microsoft.com/office/drawing/2014/main" id="{AFE28325-5D20-2641-964C-8A62A5F1459E}"/>
-              </a:ext>
-            </a:extLst>
-          </p:cNvPr>
-          <p:cNvSpPr>
-            <a:spLocks noGrp="1"/>
-          </p:cNvSpPr>
-          <p:nvPr>
-            <p:ph idx="1"/>
-          </p:nvPr>
-        </p:nvSpPr>
-        <p:spPr>
-          <a:xfrm>
-            <a:off x="6263893" y="2385403"/>
-            <a:ext cx="5816253" cy="1993650"/>
-          </a:xfrm>
-          <a:ln/>
-        </p:spPr>
-        <p:style>
-          <a:lnRef idx="2">
-            <a:schemeClr val="accent1"/>
-          </a:lnRef>
-          <a:fillRef idx="1">
-            <a:schemeClr val="lt1"/>
-          </a:fillRef>
-          <a:effectRef idx="0">
-            <a:schemeClr val="accent1"/>
-          </a:effectRef>
-          <a:fontRef idx="minor">
-            <a:schemeClr val="dk1"/>
-          </a:fontRef>
-        </p:style>
-        <p:txBody>
-          <a:bodyPr>
-            <a:normAutofit/>
-          </a:bodyPr>
-          <a:lstStyle/>
-          <a:p>
-            <a:pPr marL="0" indent="0">
-              <a:buNone/>
-            </a:pPr>
-            <a:r>
-              <a:rPr lang="en-US" sz="1600" b="1" dirty="0"/>
-              <a:t>Practical issues</a:t>
-            </a:r>
-            <a:r>
-              <a:rPr lang="en-US" sz="1600" dirty="0"/>
-              <a:t>:</a:t>
-            </a:r>
-          </a:p>
-          <a:p>
-            <a:r>
-              <a:rPr lang="en-US" sz="1600" dirty="0"/>
-              <a:t>Training large models requires large amount of data.</a:t>
-            </a:r>
-          </a:p>
-          <a:p>
-            <a:r>
-              <a:rPr lang="en-US" sz="1600" dirty="0"/>
-              <a:t>Data privacy regulations prohibits data integration.</a:t>
-            </a:r>
-          </a:p>
-          <a:p>
-            <a:r>
-              <a:rPr lang="en-US" sz="1600" dirty="0"/>
-              <a:t>Independent and identically distributed (IID) data is too good to be true.</a:t>
-            </a:r>
-          </a:p>
-        </p:txBody>
-      </p:sp>
-      <p:sp>
-        <p:nvSpPr>
-          <p:cNvPr id="4" name="Rounded Rectangle 3">
-            <a:extLst>
-              <a:ext uri="{FF2B5EF4-FFF2-40B4-BE49-F238E27FC236}">
-                <a16:creationId xmlns:a16="http://schemas.microsoft.com/office/drawing/2014/main" id="{5848E049-E88E-4F42-BD42-A4F838B3FA59}"/>
-              </a:ext>
-            </a:extLst>
-          </p:cNvPr>
-          <p:cNvSpPr/>
-          <p:nvPr/>
-        </p:nvSpPr>
-        <p:spPr>
-          <a:xfrm>
-            <a:off x="2629948" y="2128787"/>
-            <a:ext cx="1350628" cy="914400"/>
-          </a:xfrm>
-          <a:prstGeom prst="roundRect">
-            <a:avLst/>
-          </a:prstGeom>
-        </p:spPr>
-        <p:style>
-          <a:lnRef idx="2">
-            <a:schemeClr val="accent1">
-              <a:shade val="50000"/>
-            </a:schemeClr>
-          </a:lnRef>
-          <a:fillRef idx="1">
-            <a:schemeClr val="accent1"/>
-          </a:fillRef>
-          <a:effectRef idx="0">
-            <a:schemeClr val="accent1"/>
-          </a:effectRef>
-          <a:fontRef idx="minor">
-            <a:schemeClr val="lt1"/>
-          </a:fontRef>
-        </p:style>
-        <p:txBody>
-          <a:bodyPr rtlCol="0" anchor="ctr"/>
-          <a:lstStyle/>
-          <a:p>
-            <a:pPr algn="ctr"/>
-            <a:r>
-              <a:rPr lang="en-US" dirty="0"/>
-              <a:t>Model</a:t>
-            </a:r>
-          </a:p>
-        </p:txBody>
-      </p:sp>
-      <p:sp>
-        <p:nvSpPr>
-          <p:cNvPr id="5" name="Can 4">
-            <a:extLst>
-              <a:ext uri="{FF2B5EF4-FFF2-40B4-BE49-F238E27FC236}">
-                <a16:creationId xmlns:a16="http://schemas.microsoft.com/office/drawing/2014/main" id="{5AB7299F-BEA0-8047-8D27-72DD1C741C7F}"/>
-              </a:ext>
-            </a:extLst>
-          </p:cNvPr>
-          <p:cNvSpPr/>
-          <p:nvPr/>
-        </p:nvSpPr>
-        <p:spPr>
-          <a:xfrm>
-            <a:off x="710548" y="4114717"/>
-            <a:ext cx="2169952" cy="1690465"/>
-          </a:xfrm>
-          <a:prstGeom prst="can">
-            <a:avLst/>
-          </a:prstGeom>
-        </p:spPr>
-        <p:style>
-          <a:lnRef idx="2">
-            <a:schemeClr val="accent1">
-              <a:shade val="50000"/>
-            </a:schemeClr>
-          </a:lnRef>
-          <a:fillRef idx="1">
-            <a:schemeClr val="accent1"/>
-          </a:fillRef>
-          <a:effectRef idx="0">
-            <a:schemeClr val="accent1"/>
-          </a:effectRef>
-          <a:fontRef idx="minor">
-            <a:schemeClr val="lt1"/>
-          </a:fontRef>
-        </p:style>
-        <p:txBody>
-          <a:bodyPr rtlCol="0" anchor="ctr"/>
-          <a:lstStyle/>
-          <a:p>
-            <a:pPr algn="ctr"/>
-            <a:r>
-              <a:rPr lang="en-US" dirty="0"/>
-              <a:t>A giant set of public data</a:t>
-            </a:r>
-          </a:p>
-        </p:txBody>
-      </p:sp>
-      <p:sp>
-        <p:nvSpPr>
-          <p:cNvPr id="6" name="TextBox 5">
-            <a:extLst>
-              <a:ext uri="{FF2B5EF4-FFF2-40B4-BE49-F238E27FC236}">
-                <a16:creationId xmlns:a16="http://schemas.microsoft.com/office/drawing/2014/main" id="{7F5D7092-2549-F946-B29B-D557F842B56C}"/>
-              </a:ext>
-            </a:extLst>
-          </p:cNvPr>
-          <p:cNvSpPr txBox="1"/>
-          <p:nvPr/>
-        </p:nvSpPr>
-        <p:spPr>
-          <a:xfrm>
-            <a:off x="980942" y="5968522"/>
-            <a:ext cx="1701876" cy="276999"/>
-          </a:xfrm>
-          <a:prstGeom prst="rect">
-            <a:avLst/>
-          </a:prstGeom>
-          <a:noFill/>
-        </p:spPr>
-        <p:txBody>
-          <a:bodyPr wrap="none" rtlCol="0">
-            <a:spAutoFit/>
-          </a:bodyPr>
-          <a:lstStyle/>
-          <a:p>
-            <a:r>
-              <a:rPr lang="en-US" sz="1200" b="1" dirty="0"/>
-              <a:t>Usually not available</a:t>
-            </a:r>
-          </a:p>
-        </p:txBody>
-      </p:sp>
-      <p:sp>
-        <p:nvSpPr>
-          <p:cNvPr id="7" name="Rectangle 6">
-            <a:extLst>
-              <a:ext uri="{FF2B5EF4-FFF2-40B4-BE49-F238E27FC236}">
-                <a16:creationId xmlns:a16="http://schemas.microsoft.com/office/drawing/2014/main" id="{A97D4B22-CCD2-EE47-A9C7-3BAB78FB567A}"/>
-              </a:ext>
-            </a:extLst>
-          </p:cNvPr>
-          <p:cNvSpPr/>
-          <p:nvPr/>
-        </p:nvSpPr>
-        <p:spPr>
-          <a:xfrm>
-            <a:off x="517601" y="3674378"/>
-            <a:ext cx="2558642" cy="2692866"/>
-          </a:xfrm>
-          <a:prstGeom prst="rect">
-            <a:avLst/>
-          </a:prstGeom>
-          <a:noFill/>
-        </p:spPr>
-        <p:style>
-          <a:lnRef idx="2">
-            <a:schemeClr val="accent1">
-              <a:shade val="50000"/>
-            </a:schemeClr>
-          </a:lnRef>
-          <a:fillRef idx="1">
-            <a:schemeClr val="accent1"/>
-          </a:fillRef>
-          <a:effectRef idx="0">
-            <a:schemeClr val="accent1"/>
-          </a:effectRef>
-          <a:fontRef idx="minor">
-            <a:schemeClr val="lt1"/>
-          </a:fontRef>
-        </p:style>
-        <p:txBody>
-          <a:bodyPr rtlCol="0" anchor="ctr"/>
-          <a:lstStyle/>
-          <a:p>
-            <a:pPr algn="ctr"/>
-            <a:endParaRPr lang="en-US"/>
-          </a:p>
-        </p:txBody>
-      </p:sp>
-      <p:sp>
-        <p:nvSpPr>
-          <p:cNvPr id="8" name="Can 7">
-            <a:extLst>
-              <a:ext uri="{FF2B5EF4-FFF2-40B4-BE49-F238E27FC236}">
-                <a16:creationId xmlns:a16="http://schemas.microsoft.com/office/drawing/2014/main" id="{E02445DA-7743-1645-9804-DC2E0B41A41B}"/>
-              </a:ext>
-            </a:extLst>
-          </p:cNvPr>
-          <p:cNvSpPr/>
-          <p:nvPr/>
-        </p:nvSpPr>
-        <p:spPr>
-          <a:xfrm>
-            <a:off x="3705615" y="4022360"/>
-            <a:ext cx="1022607" cy="608284"/>
-          </a:xfrm>
-          <a:prstGeom prst="can">
-            <a:avLst/>
-          </a:prstGeom>
-        </p:spPr>
-        <p:style>
-          <a:lnRef idx="2">
-            <a:schemeClr val="accent1">
-              <a:shade val="50000"/>
-            </a:schemeClr>
-          </a:lnRef>
-          <a:fillRef idx="1">
-            <a:schemeClr val="accent1"/>
-          </a:fillRef>
-          <a:effectRef idx="0">
-            <a:schemeClr val="accent1"/>
-          </a:effectRef>
-          <a:fontRef idx="minor">
-            <a:schemeClr val="lt1"/>
-          </a:fontRef>
-        </p:style>
-        <p:txBody>
-          <a:bodyPr rtlCol="0" anchor="ctr"/>
-          <a:lstStyle/>
-          <a:p>
-            <a:pPr algn="ctr"/>
-            <a:r>
-              <a:rPr lang="en-US" sz="1200" dirty="0"/>
-              <a:t>Private data A</a:t>
-            </a:r>
-          </a:p>
-        </p:txBody>
-      </p:sp>
-      <p:sp>
-        <p:nvSpPr>
-          <p:cNvPr id="9" name="TextBox 8">
-            <a:extLst>
-              <a:ext uri="{FF2B5EF4-FFF2-40B4-BE49-F238E27FC236}">
-                <a16:creationId xmlns:a16="http://schemas.microsoft.com/office/drawing/2014/main" id="{64378CC1-7143-F044-B9FD-70BDB4D3D08B}"/>
-              </a:ext>
-            </a:extLst>
-          </p:cNvPr>
-          <p:cNvSpPr txBox="1"/>
-          <p:nvPr/>
-        </p:nvSpPr>
-        <p:spPr>
-          <a:xfrm>
-            <a:off x="4109650" y="5969346"/>
-            <a:ext cx="1456104" cy="276999"/>
-          </a:xfrm>
-          <a:prstGeom prst="rect">
-            <a:avLst/>
-          </a:prstGeom>
-          <a:noFill/>
-        </p:spPr>
-        <p:txBody>
-          <a:bodyPr wrap="none" rtlCol="0">
-            <a:spAutoFit/>
-          </a:bodyPr>
-          <a:lstStyle/>
-          <a:p>
-            <a:r>
-              <a:rPr lang="en-US" sz="1200" b="1" dirty="0">
-                <a:solidFill>
-                  <a:srgbClr val="FF0000"/>
-                </a:solidFill>
-              </a:rPr>
-              <a:t>Non-IID &amp; Private</a:t>
-            </a:r>
-          </a:p>
-        </p:txBody>
-      </p:sp>
-      <p:sp>
-        <p:nvSpPr>
-          <p:cNvPr id="10" name="Rectangle 9">
-            <a:extLst>
-              <a:ext uri="{FF2B5EF4-FFF2-40B4-BE49-F238E27FC236}">
-                <a16:creationId xmlns:a16="http://schemas.microsoft.com/office/drawing/2014/main" id="{A0447180-5F09-E840-987A-3CFC246099EB}"/>
-              </a:ext>
-            </a:extLst>
-          </p:cNvPr>
-          <p:cNvSpPr/>
-          <p:nvPr/>
-        </p:nvSpPr>
-        <p:spPr>
-          <a:xfrm>
-            <a:off x="3518261" y="3674378"/>
-            <a:ext cx="2558642" cy="2692866"/>
-          </a:xfrm>
-          <a:prstGeom prst="rect">
-            <a:avLst/>
-          </a:prstGeom>
-          <a:noFill/>
-        </p:spPr>
-        <p:style>
-          <a:lnRef idx="2">
-            <a:schemeClr val="accent1">
-              <a:shade val="50000"/>
-            </a:schemeClr>
-          </a:lnRef>
-          <a:fillRef idx="1">
-            <a:schemeClr val="accent1"/>
-          </a:fillRef>
-          <a:effectRef idx="0">
-            <a:schemeClr val="accent1"/>
-          </a:effectRef>
-          <a:fontRef idx="minor">
-            <a:schemeClr val="lt1"/>
-          </a:fontRef>
-        </p:style>
-        <p:txBody>
-          <a:bodyPr rtlCol="0" anchor="ctr"/>
-          <a:lstStyle/>
-          <a:p>
-            <a:pPr algn="ctr"/>
-            <a:endParaRPr lang="en-US"/>
-          </a:p>
-        </p:txBody>
-      </p:sp>
-      <p:sp>
-        <p:nvSpPr>
-          <p:cNvPr id="11" name="Can 10">
-            <a:extLst>
-              <a:ext uri="{FF2B5EF4-FFF2-40B4-BE49-F238E27FC236}">
-                <a16:creationId xmlns:a16="http://schemas.microsoft.com/office/drawing/2014/main" id="{23BBF7C9-61F7-534D-8C1E-8074E0478667}"/>
-              </a:ext>
-            </a:extLst>
-          </p:cNvPr>
-          <p:cNvSpPr/>
-          <p:nvPr/>
-        </p:nvSpPr>
-        <p:spPr>
-          <a:xfrm>
-            <a:off x="4915576" y="4630644"/>
-            <a:ext cx="1022607" cy="608284"/>
-          </a:xfrm>
-          <a:prstGeom prst="can">
-            <a:avLst/>
-          </a:prstGeom>
-        </p:spPr>
-        <p:style>
-          <a:lnRef idx="2">
-            <a:schemeClr val="accent1">
-              <a:shade val="50000"/>
-            </a:schemeClr>
-          </a:lnRef>
-          <a:fillRef idx="1">
-            <a:schemeClr val="accent1"/>
-          </a:fillRef>
-          <a:effectRef idx="0">
-            <a:schemeClr val="accent1"/>
-          </a:effectRef>
-          <a:fontRef idx="minor">
-            <a:schemeClr val="lt1"/>
-          </a:fontRef>
-        </p:style>
-        <p:txBody>
-          <a:bodyPr rtlCol="0" anchor="ctr"/>
-          <a:lstStyle/>
-          <a:p>
-            <a:pPr algn="ctr"/>
-            <a:r>
-              <a:rPr lang="en-US" sz="1200" dirty="0"/>
-              <a:t>Private data B</a:t>
-            </a:r>
-          </a:p>
-        </p:txBody>
-      </p:sp>
-      <p:sp>
-        <p:nvSpPr>
-          <p:cNvPr id="12" name="Can 11">
-            <a:extLst>
-              <a:ext uri="{FF2B5EF4-FFF2-40B4-BE49-F238E27FC236}">
-                <a16:creationId xmlns:a16="http://schemas.microsoft.com/office/drawing/2014/main" id="{0F725CCC-C984-4B4A-BA95-6038E6820699}"/>
-              </a:ext>
-            </a:extLst>
-          </p:cNvPr>
-          <p:cNvSpPr/>
-          <p:nvPr/>
-        </p:nvSpPr>
-        <p:spPr>
-          <a:xfrm>
-            <a:off x="3705614" y="5215485"/>
-            <a:ext cx="1022607" cy="608284"/>
-          </a:xfrm>
-          <a:prstGeom prst="can">
-            <a:avLst/>
-          </a:prstGeom>
-        </p:spPr>
-        <p:style>
-          <a:lnRef idx="2">
-            <a:schemeClr val="accent1">
-              <a:shade val="50000"/>
-            </a:schemeClr>
-          </a:lnRef>
-          <a:fillRef idx="1">
-            <a:schemeClr val="accent1"/>
-          </a:fillRef>
-          <a:effectRef idx="0">
-            <a:schemeClr val="accent1"/>
-          </a:effectRef>
-          <a:fontRef idx="minor">
-            <a:schemeClr val="lt1"/>
-          </a:fontRef>
-        </p:style>
-        <p:txBody>
-          <a:bodyPr rtlCol="0" anchor="ctr"/>
-          <a:lstStyle/>
-          <a:p>
-            <a:pPr algn="ctr"/>
-            <a:r>
-              <a:rPr lang="en-US" sz="1200" dirty="0"/>
-              <a:t>Private data C</a:t>
-            </a:r>
-          </a:p>
-        </p:txBody>
-      </p:sp>
-      <p:cxnSp>
-        <p:nvCxnSpPr>
-          <p:cNvPr id="14" name="Elbow Connector 13">
-            <a:extLst>
-              <a:ext uri="{FF2B5EF4-FFF2-40B4-BE49-F238E27FC236}">
-                <a16:creationId xmlns:a16="http://schemas.microsoft.com/office/drawing/2014/main" id="{537C6A1A-FD49-804D-8FED-3648CCF477EF}"/>
-              </a:ext>
-            </a:extLst>
-          </p:cNvPr>
-          <p:cNvCxnSpPr>
-            <a:stCxn id="7" idx="0"/>
-            <a:endCxn id="4" idx="1"/>
-          </p:cNvCxnSpPr>
-          <p:nvPr/>
-        </p:nvCxnSpPr>
-        <p:spPr>
-          <a:xfrm rot="5400000" flipH="1" flipV="1">
-            <a:off x="1669240" y="2713670"/>
-            <a:ext cx="1088391" cy="833026"/>
-          </a:xfrm>
-          <a:prstGeom prst="bentConnector2">
-            <a:avLst/>
-          </a:prstGeom>
-          <a:ln>
-            <a:tailEnd type="triangle"/>
-          </a:ln>
-        </p:spPr>
-        <p:style>
-          <a:lnRef idx="1">
-            <a:schemeClr val="accent1"/>
-          </a:lnRef>
-          <a:fillRef idx="0">
-            <a:schemeClr val="accent1"/>
-          </a:fillRef>
-          <a:effectRef idx="0">
-            <a:schemeClr val="accent1"/>
-          </a:effectRef>
-          <a:fontRef idx="minor">
-            <a:schemeClr val="tx1"/>
-          </a:fontRef>
-        </p:style>
-      </p:cxnSp>
-      <p:cxnSp>
-        <p:nvCxnSpPr>
-          <p:cNvPr id="15" name="Elbow Connector 14">
-            <a:extLst>
-              <a:ext uri="{FF2B5EF4-FFF2-40B4-BE49-F238E27FC236}">
-                <a16:creationId xmlns:a16="http://schemas.microsoft.com/office/drawing/2014/main" id="{604CEB19-0EDF-4643-8893-FB82DA78798B}"/>
-              </a:ext>
-            </a:extLst>
-          </p:cNvPr>
-          <p:cNvCxnSpPr>
-            <a:cxnSpLocks/>
-            <a:stCxn id="10" idx="0"/>
-            <a:endCxn id="4" idx="3"/>
-          </p:cNvCxnSpPr>
-          <p:nvPr/>
-        </p:nvCxnSpPr>
-        <p:spPr>
-          <a:xfrm rot="16200000" flipV="1">
-            <a:off x="3844884" y="2721680"/>
-            <a:ext cx="1088391" cy="817006"/>
-          </a:xfrm>
-          <a:prstGeom prst="bentConnector2">
-            <a:avLst/>
-          </a:prstGeom>
-          <a:ln>
-            <a:tailEnd type="triangle"/>
-          </a:ln>
-        </p:spPr>
-        <p:style>
-          <a:lnRef idx="1">
-            <a:schemeClr val="accent1"/>
-          </a:lnRef>
-          <a:fillRef idx="0">
-            <a:schemeClr val="accent1"/>
-          </a:fillRef>
-          <a:effectRef idx="0">
-            <a:schemeClr val="accent1"/>
-          </a:effectRef>
-          <a:fontRef idx="minor">
-            <a:schemeClr val="tx1"/>
-          </a:fontRef>
-        </p:style>
-      </p:cxnSp>
-      <p:sp>
-        <p:nvSpPr>
-          <p:cNvPr id="18" name="TextBox 17">
-            <a:extLst>
-              <a:ext uri="{FF2B5EF4-FFF2-40B4-BE49-F238E27FC236}">
-                <a16:creationId xmlns:a16="http://schemas.microsoft.com/office/drawing/2014/main" id="{21AD220E-1AEF-4641-AA37-0AA6E86896F6}"/>
-              </a:ext>
-            </a:extLst>
-          </p:cNvPr>
-          <p:cNvSpPr txBox="1"/>
-          <p:nvPr/>
-        </p:nvSpPr>
-        <p:spPr>
-          <a:xfrm>
-            <a:off x="710548" y="3124791"/>
-            <a:ext cx="2404056" cy="369332"/>
-          </a:xfrm>
-          <a:prstGeom prst="rect">
-            <a:avLst/>
-          </a:prstGeom>
-          <a:noFill/>
-        </p:spPr>
-        <p:txBody>
-          <a:bodyPr wrap="none" rtlCol="0">
-            <a:spAutoFit/>
-          </a:bodyPr>
-          <a:lstStyle/>
-          <a:p>
-            <a:r>
-              <a:rPr lang="en-US" dirty="0"/>
-              <a:t>Centralized Learning</a:t>
-            </a:r>
-          </a:p>
-        </p:txBody>
-      </p:sp>
-      <p:sp>
-        <p:nvSpPr>
-          <p:cNvPr id="19" name="TextBox 18">
-            <a:extLst>
-              <a:ext uri="{FF2B5EF4-FFF2-40B4-BE49-F238E27FC236}">
-                <a16:creationId xmlns:a16="http://schemas.microsoft.com/office/drawing/2014/main" id="{C36ECEDF-8935-6446-8782-098E18FDC3F0}"/>
-              </a:ext>
-            </a:extLst>
-          </p:cNvPr>
-          <p:cNvSpPr txBox="1"/>
-          <p:nvPr/>
-        </p:nvSpPr>
-        <p:spPr>
-          <a:xfrm>
-            <a:off x="3632484" y="3124791"/>
-            <a:ext cx="2283317" cy="369332"/>
-          </a:xfrm>
-          <a:prstGeom prst="rect">
-            <a:avLst/>
-          </a:prstGeom>
-          <a:noFill/>
-        </p:spPr>
-        <p:txBody>
-          <a:bodyPr wrap="none" rtlCol="0">
-            <a:spAutoFit/>
-          </a:bodyPr>
-          <a:lstStyle/>
-          <a:p>
-            <a:r>
-              <a:rPr lang="en-US" dirty="0"/>
-              <a:t>Federated Learning</a:t>
-            </a:r>
-          </a:p>
-        </p:txBody>
-      </p:sp>
-      <p:sp>
-        <p:nvSpPr>
-          <p:cNvPr id="20" name="TextBox 19">
-            <a:extLst>
-              <a:ext uri="{FF2B5EF4-FFF2-40B4-BE49-F238E27FC236}">
-                <a16:creationId xmlns:a16="http://schemas.microsoft.com/office/drawing/2014/main" id="{639EECF1-A61B-2D4E-95BA-D511341D0A36}"/>
-              </a:ext>
-            </a:extLst>
-          </p:cNvPr>
-          <p:cNvSpPr txBox="1"/>
-          <p:nvPr/>
-        </p:nvSpPr>
-        <p:spPr>
-          <a:xfrm>
-            <a:off x="6258334" y="4849841"/>
-            <a:ext cx="5816253" cy="1517403"/>
-          </a:xfrm>
-          <a:prstGeom prst="rect">
-            <a:avLst/>
-          </a:prstGeom>
-        </p:spPr>
-        <p:style>
-          <a:lnRef idx="2">
-            <a:schemeClr val="accent2"/>
-          </a:lnRef>
-          <a:fillRef idx="1">
-            <a:schemeClr val="lt1"/>
-          </a:fillRef>
-          <a:effectRef idx="0">
-            <a:schemeClr val="accent2"/>
-          </a:effectRef>
-          <a:fontRef idx="minor">
-            <a:schemeClr val="dk1"/>
-          </a:fontRef>
-        </p:style>
-        <p:txBody>
-          <a:bodyPr wrap="square" rtlCol="0">
-            <a:spAutoFit/>
-          </a:bodyPr>
-          <a:lstStyle/>
-          <a:p>
-            <a:r>
-              <a:rPr lang="en-US" sz="1600" b="1" dirty="0"/>
-              <a:t>Goal</a:t>
-            </a:r>
-            <a:r>
-              <a:rPr lang="en-US" sz="1600" dirty="0"/>
-              <a:t>:</a:t>
-            </a:r>
-          </a:p>
-          <a:p>
-            <a:pPr marL="228600" indent="-228600">
-              <a:lnSpc>
-                <a:spcPct val="110000"/>
-              </a:lnSpc>
-              <a:spcBef>
-                <a:spcPts val="1000"/>
-              </a:spcBef>
-              <a:buFont typeface="Arial" panose="020B0604020202020204" pitchFamily="34" charset="0"/>
-              <a:buChar char="•"/>
-            </a:pPr>
-            <a:r>
-              <a:rPr lang="en-US" sz="1600" u="sng" dirty="0">
-                <a:solidFill>
-                  <a:srgbClr val="0070C0"/>
-                </a:solidFill>
-              </a:rPr>
-              <a:t>Protect data privacy</a:t>
-            </a:r>
-            <a:r>
-              <a:rPr lang="en-US" sz="1600" dirty="0"/>
-              <a:t>: no infringement on data privacy.</a:t>
-            </a:r>
-            <a:endParaRPr lang="en-US" sz="1600" u="sng" dirty="0"/>
-          </a:p>
-          <a:p>
-            <a:pPr marL="228600" indent="-228600">
-              <a:lnSpc>
-                <a:spcPct val="110000"/>
-              </a:lnSpc>
-              <a:spcBef>
-                <a:spcPts val="1000"/>
-              </a:spcBef>
-              <a:buFont typeface="Arial" panose="020B0604020202020204" pitchFamily="34" charset="0"/>
-              <a:buChar char="•"/>
-            </a:pPr>
-            <a:r>
-              <a:rPr lang="en-US" sz="1600" u="sng" dirty="0">
-                <a:solidFill>
-                  <a:srgbClr val="0070C0"/>
-                </a:solidFill>
-              </a:rPr>
-              <a:t>Personalization</a:t>
-            </a:r>
-            <a:r>
-              <a:rPr lang="en-US" sz="1600" dirty="0"/>
-              <a:t>: personalized models for different clients.</a:t>
-            </a:r>
-          </a:p>
-          <a:p>
-            <a:pPr marL="228600" indent="-228600">
-              <a:lnSpc>
-                <a:spcPct val="110000"/>
-              </a:lnSpc>
-              <a:spcBef>
-                <a:spcPts val="1000"/>
-              </a:spcBef>
-              <a:buFont typeface="Arial" panose="020B0604020202020204" pitchFamily="34" charset="0"/>
-              <a:buChar char="•"/>
-            </a:pPr>
-            <a:r>
-              <a:rPr lang="en-US" sz="1600" u="sng" dirty="0">
-                <a:solidFill>
-                  <a:srgbClr val="0070C0"/>
-                </a:solidFill>
-              </a:rPr>
-              <a:t>Attentive Collaboration</a:t>
-            </a:r>
-            <a:r>
-              <a:rPr lang="en-US" sz="1600" dirty="0"/>
-              <a:t>: not all collaborations are useful.</a:t>
-            </a:r>
-          </a:p>
-        </p:txBody>
-      </p:sp>
-    </p:spTree>
-    <p:extLst>
-      <p:ext uri="{BB962C8B-B14F-4D97-AF65-F5344CB8AC3E}">
-        <p14:creationId xmlns:p14="http://schemas.microsoft.com/office/powerpoint/2010/main" val="868845522"/>
-      </p:ext>
-    </p:extLst>
-  </p:cSld>
-  <p:clrMapOvr>
-    <a:masterClrMapping/>
-  </p:clrMapOvr>
-</p:sld>
-</file>
-
 <file path=ppt/slides/slide2.xml><?xml version="1.0" encoding="utf-8"?>
 <p:sld xmlns:a="http://schemas.openxmlformats.org/drawingml/2006/main" xmlns:r="http://schemas.openxmlformats.org/officeDocument/2006/relationships" xmlns:p="http://schemas.openxmlformats.org/presentationml/2006/main">
   <p:cSld>
